--- a/js_mini_project/2team_dash.pptx
+++ b/js_mini_project/2team_dash.pptx
@@ -18387,7 +18387,7 @@
           <a:p>
             <a:fld id="{2DB0FDC8-CAB0-47E5-BBE1-F3DB9C89C009}" type="datetimeFigureOut">
               <a:rPr lang="ko-KR" altLang="en-US" smtClean="0"/>
-              <a:t>2022-09-25</a:t>
+              <a:t>2022-09-26</a:t>
             </a:fld>
             <a:endParaRPr lang="ko-KR" altLang="en-US"/>
           </a:p>
@@ -18638,7 +18638,7 @@
           <a:p>
             <a:fld id="{2DB0FDC8-CAB0-47E5-BBE1-F3DB9C89C009}" type="datetimeFigureOut">
               <a:rPr lang="ko-KR" altLang="en-US" smtClean="0"/>
-              <a:t>2022-09-25</a:t>
+              <a:t>2022-09-26</a:t>
             </a:fld>
             <a:endParaRPr lang="ko-KR" altLang="en-US"/>
           </a:p>
@@ -18952,7 +18952,7 @@
           <a:p>
             <a:fld id="{2DB0FDC8-CAB0-47E5-BBE1-F3DB9C89C009}" type="datetimeFigureOut">
               <a:rPr lang="ko-KR" altLang="en-US" smtClean="0"/>
-              <a:t>2022-09-25</a:t>
+              <a:t>2022-09-26</a:t>
             </a:fld>
             <a:endParaRPr lang="ko-KR" altLang="en-US"/>
           </a:p>
@@ -19293,7 +19293,7 @@
           <a:p>
             <a:fld id="{2DB0FDC8-CAB0-47E5-BBE1-F3DB9C89C009}" type="datetimeFigureOut">
               <a:rPr lang="ko-KR" altLang="en-US" smtClean="0"/>
-              <a:t>2022-09-25</a:t>
+              <a:t>2022-09-26</a:t>
             </a:fld>
             <a:endParaRPr lang="ko-KR" altLang="en-US"/>
           </a:p>
@@ -19607,7 +19607,7 @@
           <a:p>
             <a:fld id="{2DB0FDC8-CAB0-47E5-BBE1-F3DB9C89C009}" type="datetimeFigureOut">
               <a:rPr lang="ko-KR" altLang="en-US" smtClean="0"/>
-              <a:t>2022-09-25</a:t>
+              <a:t>2022-09-26</a:t>
             </a:fld>
             <a:endParaRPr lang="ko-KR" altLang="en-US"/>
           </a:p>
@@ -20000,7 +20000,7 @@
           <a:p>
             <a:fld id="{2DB0FDC8-CAB0-47E5-BBE1-F3DB9C89C009}" type="datetimeFigureOut">
               <a:rPr lang="ko-KR" altLang="en-US" smtClean="0"/>
-              <a:t>2022-09-25</a:t>
+              <a:t>2022-09-26</a:t>
             </a:fld>
             <a:endParaRPr lang="ko-KR" altLang="en-US"/>
           </a:p>
@@ -20170,7 +20170,7 @@
           <a:p>
             <a:fld id="{2DB0FDC8-CAB0-47E5-BBE1-F3DB9C89C009}" type="datetimeFigureOut">
               <a:rPr lang="ko-KR" altLang="en-US" smtClean="0"/>
-              <a:t>2022-09-25</a:t>
+              <a:t>2022-09-26</a:t>
             </a:fld>
             <a:endParaRPr lang="ko-KR" altLang="en-US"/>
           </a:p>
@@ -20350,7 +20350,7 @@
           <a:p>
             <a:fld id="{2DB0FDC8-CAB0-47E5-BBE1-F3DB9C89C009}" type="datetimeFigureOut">
               <a:rPr lang="ko-KR" altLang="en-US" smtClean="0"/>
-              <a:t>2022-09-25</a:t>
+              <a:t>2022-09-26</a:t>
             </a:fld>
             <a:endParaRPr lang="ko-KR" altLang="en-US"/>
           </a:p>
@@ -20526,7 +20526,7 @@
           <a:p>
             <a:fld id="{2DB0FDC8-CAB0-47E5-BBE1-F3DB9C89C009}" type="datetimeFigureOut">
               <a:rPr lang="ko-KR" altLang="en-US" smtClean="0"/>
-              <a:t>2022-09-25</a:t>
+              <a:t>2022-09-26</a:t>
             </a:fld>
             <a:endParaRPr lang="ko-KR" altLang="en-US"/>
           </a:p>
@@ -20773,7 +20773,7 @@
           <a:p>
             <a:fld id="{2DB0FDC8-CAB0-47E5-BBE1-F3DB9C89C009}" type="datetimeFigureOut">
               <a:rPr lang="ko-KR" altLang="en-US" smtClean="0"/>
-              <a:t>2022-09-25</a:t>
+              <a:t>2022-09-26</a:t>
             </a:fld>
             <a:endParaRPr lang="ko-KR" altLang="en-US"/>
           </a:p>
@@ -21005,7 +21005,7 @@
           <a:p>
             <a:fld id="{2DB0FDC8-CAB0-47E5-BBE1-F3DB9C89C009}" type="datetimeFigureOut">
               <a:rPr lang="ko-KR" altLang="en-US" smtClean="0"/>
-              <a:t>2022-09-25</a:t>
+              <a:t>2022-09-26</a:t>
             </a:fld>
             <a:endParaRPr lang="ko-KR" altLang="en-US"/>
           </a:p>
@@ -21379,7 +21379,7 @@
           <a:p>
             <a:fld id="{2DB0FDC8-CAB0-47E5-BBE1-F3DB9C89C009}" type="datetimeFigureOut">
               <a:rPr lang="ko-KR" altLang="en-US" smtClean="0"/>
-              <a:t>2022-09-25</a:t>
+              <a:t>2022-09-26</a:t>
             </a:fld>
             <a:endParaRPr lang="ko-KR" altLang="en-US"/>
           </a:p>
@@ -21502,7 +21502,7 @@
           <a:p>
             <a:fld id="{2DB0FDC8-CAB0-47E5-BBE1-F3DB9C89C009}" type="datetimeFigureOut">
               <a:rPr lang="ko-KR" altLang="en-US" smtClean="0"/>
-              <a:t>2022-09-25</a:t>
+              <a:t>2022-09-26</a:t>
             </a:fld>
             <a:endParaRPr lang="ko-KR" altLang="en-US"/>
           </a:p>
@@ -21597,7 +21597,7 @@
           <a:p>
             <a:fld id="{2DB0FDC8-CAB0-47E5-BBE1-F3DB9C89C009}" type="datetimeFigureOut">
               <a:rPr lang="ko-KR" altLang="en-US" smtClean="0"/>
-              <a:t>2022-09-25</a:t>
+              <a:t>2022-09-26</a:t>
             </a:fld>
             <a:endParaRPr lang="ko-KR" altLang="en-US"/>
           </a:p>
@@ -21852,7 +21852,7 @@
           <a:p>
             <a:fld id="{2DB0FDC8-CAB0-47E5-BBE1-F3DB9C89C009}" type="datetimeFigureOut">
               <a:rPr lang="ko-KR" altLang="en-US" smtClean="0"/>
-              <a:t>2022-09-25</a:t>
+              <a:t>2022-09-26</a:t>
             </a:fld>
             <a:endParaRPr lang="ko-KR" altLang="en-US"/>
           </a:p>
@@ -22115,7 +22115,7 @@
           <a:p>
             <a:fld id="{2DB0FDC8-CAB0-47E5-BBE1-F3DB9C89C009}" type="datetimeFigureOut">
               <a:rPr lang="ko-KR" altLang="en-US" smtClean="0"/>
-              <a:t>2022-09-25</a:t>
+              <a:t>2022-09-26</a:t>
             </a:fld>
             <a:endParaRPr lang="ko-KR" altLang="en-US"/>
           </a:p>
@@ -22858,7 +22858,7 @@
           <a:p>
             <a:fld id="{2DB0FDC8-CAB0-47E5-BBE1-F3DB9C89C009}" type="datetimeFigureOut">
               <a:rPr lang="ko-KR" altLang="en-US" smtClean="0"/>
-              <a:t>2022-09-25</a:t>
+              <a:t>2022-09-26</a:t>
             </a:fld>
             <a:endParaRPr lang="ko-KR" altLang="en-US"/>
           </a:p>
@@ -25032,7 +25032,7 @@
             </p:custDataLst>
             <p:extLst>
               <p:ext uri="{D42A27DB-BD31-4B8C-83A1-F6EECF244321}">
-                <p14:modId xmlns:p14="http://schemas.microsoft.com/office/powerpoint/2010/main" val="2707911227"/>
+                <p14:modId xmlns:p14="http://schemas.microsoft.com/office/powerpoint/2010/main" val="3388941129"/>
               </p:ext>
             </p:extLst>
           </p:nvPr>
